--- a/WCMC.Stat.HeatMap/inst/www/temp.pptx
+++ b/WCMC.Stat.HeatMap/inst/www/temp.pptx
@@ -242,7 +242,7 @@
           <a:p>
             <a:fld id="{1CB658BD-DBEE-41B2-A6B8-BB896E4B8E7A}" type="datetimeFigureOut">
               <a:rPr lang="en-US" smtClean="0"/>
-              <a:t>2/15/2017</a:t>
+              <a:t>3/6/2017</a:t>
             </a:fld>
             <a:endParaRPr lang="en-US"/>
           </a:p>
@@ -410,7 +410,7 @@
           <a:p>
             <a:fld id="{1CB658BD-DBEE-41B2-A6B8-BB896E4B8E7A}" type="datetimeFigureOut">
               <a:rPr lang="en-US" smtClean="0"/>
-              <a:t>2/15/2017</a:t>
+              <a:t>3/6/2017</a:t>
             </a:fld>
             <a:endParaRPr lang="en-US"/>
           </a:p>
@@ -588,7 +588,7 @@
           <a:p>
             <a:fld id="{1CB658BD-DBEE-41B2-A6B8-BB896E4B8E7A}" type="datetimeFigureOut">
               <a:rPr lang="en-US" smtClean="0"/>
-              <a:t>2/15/2017</a:t>
+              <a:t>3/6/2017</a:t>
             </a:fld>
             <a:endParaRPr lang="en-US"/>
           </a:p>
@@ -756,7 +756,7 @@
           <a:p>
             <a:fld id="{1CB658BD-DBEE-41B2-A6B8-BB896E4B8E7A}" type="datetimeFigureOut">
               <a:rPr lang="en-US" smtClean="0"/>
-              <a:t>2/15/2017</a:t>
+              <a:t>3/6/2017</a:t>
             </a:fld>
             <a:endParaRPr lang="en-US"/>
           </a:p>
@@ -1001,7 +1001,7 @@
           <a:p>
             <a:fld id="{1CB658BD-DBEE-41B2-A6B8-BB896E4B8E7A}" type="datetimeFigureOut">
               <a:rPr lang="en-US" smtClean="0"/>
-              <a:t>2/15/2017</a:t>
+              <a:t>3/6/2017</a:t>
             </a:fld>
             <a:endParaRPr lang="en-US"/>
           </a:p>
@@ -1230,7 +1230,7 @@
           <a:p>
             <a:fld id="{1CB658BD-DBEE-41B2-A6B8-BB896E4B8E7A}" type="datetimeFigureOut">
               <a:rPr lang="en-US" smtClean="0"/>
-              <a:t>2/15/2017</a:t>
+              <a:t>3/6/2017</a:t>
             </a:fld>
             <a:endParaRPr lang="en-US"/>
           </a:p>
@@ -1594,7 +1594,7 @@
           <a:p>
             <a:fld id="{1CB658BD-DBEE-41B2-A6B8-BB896E4B8E7A}" type="datetimeFigureOut">
               <a:rPr lang="en-US" smtClean="0"/>
-              <a:t>2/15/2017</a:t>
+              <a:t>3/6/2017</a:t>
             </a:fld>
             <a:endParaRPr lang="en-US"/>
           </a:p>
@@ -1711,7 +1711,7 @@
           <a:p>
             <a:fld id="{1CB658BD-DBEE-41B2-A6B8-BB896E4B8E7A}" type="datetimeFigureOut">
               <a:rPr lang="en-US" smtClean="0"/>
-              <a:t>2/15/2017</a:t>
+              <a:t>3/6/2017</a:t>
             </a:fld>
             <a:endParaRPr lang="en-US"/>
           </a:p>
@@ -1806,7 +1806,7 @@
           <a:p>
             <a:fld id="{1CB658BD-DBEE-41B2-A6B8-BB896E4B8E7A}" type="datetimeFigureOut">
               <a:rPr lang="en-US" smtClean="0"/>
-              <a:t>2/15/2017</a:t>
+              <a:t>3/6/2017</a:t>
             </a:fld>
             <a:endParaRPr lang="en-US"/>
           </a:p>
@@ -2081,7 +2081,7 @@
           <a:p>
             <a:fld id="{1CB658BD-DBEE-41B2-A6B8-BB896E4B8E7A}" type="datetimeFigureOut">
               <a:rPr lang="en-US" smtClean="0"/>
-              <a:t>2/15/2017</a:t>
+              <a:t>3/6/2017</a:t>
             </a:fld>
             <a:endParaRPr lang="en-US"/>
           </a:p>
@@ -2333,7 +2333,7 @@
           <a:p>
             <a:fld id="{1CB658BD-DBEE-41B2-A6B8-BB896E4B8E7A}" type="datetimeFigureOut">
               <a:rPr lang="en-US" smtClean="0"/>
-              <a:t>2/15/2017</a:t>
+              <a:t>3/6/2017</a:t>
             </a:fld>
             <a:endParaRPr lang="en-US"/>
           </a:p>
@@ -2544,7 +2544,7 @@
           <a:p>
             <a:fld id="{1CB658BD-DBEE-41B2-A6B8-BB896E4B8E7A}" type="datetimeFigureOut">
               <a:rPr lang="en-US" smtClean="0"/>
-              <a:t>2/15/2017</a:t>
+              <a:t>3/6/2017</a:t>
             </a:fld>
             <a:endParaRPr lang="en-US"/>
           </a:p>
@@ -3274,174 +3274,495 @@
           </a:p>
         </p:txBody>
       </p:sp>
-      <p:cxnSp>
-        <p:nvCxnSpPr>
-          <p:cNvPr id="20" name="Straight Arrow Connector 19"/>
-          <p:cNvCxnSpPr/>
+      <p:pic>
+        <p:nvPicPr>
+          <p:cNvPr id="7" name="Picture 6"/>
+          <p:cNvPicPr>
+            <a:picLocks noChangeAspect="1"/>
+          </p:cNvPicPr>
           <p:nvPr/>
-        </p:nvCxnSpPr>
-        <p:spPr>
-          <a:xfrm>
-            <a:off x="3657599" y="1791475"/>
-            <a:ext cx="0" cy="311727"/>
-          </a:xfrm>
-          <a:prstGeom prst="straightConnector1">
+        </p:nvPicPr>
+        <p:blipFill>
+          <a:blip r:embed="rId4"/>
+          <a:stretch>
+            <a:fillRect/>
+          </a:stretch>
+        </p:blipFill>
+        <p:spPr>
+          <a:xfrm>
+            <a:off x="3151846" y="2247140"/>
+            <a:ext cx="5605910" cy="2392225"/>
+          </a:xfrm>
+          <a:prstGeom prst="rect">
             <a:avLst/>
           </a:prstGeom>
+        </p:spPr>
+      </p:pic>
+      <p:sp>
+        <p:nvSpPr>
+          <p:cNvPr id="10" name="Rectangle 9"/>
+          <p:cNvSpPr/>
+          <p:nvPr/>
+        </p:nvSpPr>
+        <p:spPr>
+          <a:xfrm>
+            <a:off x="4222750" y="3041650"/>
+            <a:ext cx="342900" cy="1597715"/>
+          </a:xfrm>
+          <a:prstGeom prst="rect">
+            <a:avLst/>
+          </a:prstGeom>
+          <a:noFill/>
           <a:ln>
             <a:solidFill>
-              <a:srgbClr val="92D050"/>
+              <a:srgbClr val="FF0000"/>
             </a:solidFill>
-            <a:tailEnd type="triangle"/>
           </a:ln>
         </p:spPr>
         <p:style>
-          <a:lnRef idx="1">
-            <a:schemeClr val="accent1"/>
+          <a:lnRef idx="2">
+            <a:schemeClr val="accent1">
+              <a:shade val="50000"/>
+            </a:schemeClr>
           </a:lnRef>
-          <a:fillRef idx="0">
+          <a:fillRef idx="1">
             <a:schemeClr val="accent1"/>
           </a:fillRef>
           <a:effectRef idx="0">
             <a:schemeClr val="accent1"/>
           </a:effectRef>
           <a:fontRef idx="minor">
-            <a:schemeClr val="tx1"/>
+            <a:schemeClr val="lt1"/>
           </a:fontRef>
         </p:style>
-      </p:cxnSp>
-      <p:cxnSp>
-        <p:nvCxnSpPr>
-          <p:cNvPr id="22" name="Straight Arrow Connector 21"/>
-          <p:cNvCxnSpPr/>
+        <p:txBody>
+          <a:bodyPr rtlCol="0" anchor="ctr"/>
+          <a:lstStyle/>
+          <a:p>
+            <a:pPr algn="ctr"/>
+            <a:endParaRPr lang="en-US"/>
+          </a:p>
+        </p:txBody>
+      </p:sp>
+      <p:sp>
+        <p:nvSpPr>
+          <p:cNvPr id="18" name="Rectangle 17"/>
+          <p:cNvSpPr/>
           <p:nvPr/>
-        </p:nvCxnSpPr>
-        <p:spPr>
-          <a:xfrm flipH="1" flipV="1">
-            <a:off x="8615328" y="2210924"/>
-            <a:ext cx="294083" cy="4156"/>
-          </a:xfrm>
-          <a:prstGeom prst="straightConnector1">
+        </p:nvSpPr>
+        <p:spPr>
+          <a:xfrm>
+            <a:off x="4222750" y="3041650"/>
+            <a:ext cx="4535006" cy="107950"/>
+          </a:xfrm>
+          <a:prstGeom prst="rect">
             <a:avLst/>
           </a:prstGeom>
+          <a:noFill/>
           <a:ln>
             <a:solidFill>
-              <a:srgbClr val="92D050"/>
+              <a:srgbClr val="FF0000"/>
             </a:solidFill>
-            <a:tailEnd type="triangle"/>
           </a:ln>
         </p:spPr>
         <p:style>
-          <a:lnRef idx="1">
-            <a:schemeClr val="accent1"/>
+          <a:lnRef idx="2">
+            <a:schemeClr val="accent1">
+              <a:shade val="50000"/>
+            </a:schemeClr>
           </a:lnRef>
-          <a:fillRef idx="0">
+          <a:fillRef idx="1">
             <a:schemeClr val="accent1"/>
           </a:fillRef>
           <a:effectRef idx="0">
             <a:schemeClr val="accent1"/>
           </a:effectRef>
           <a:fontRef idx="minor">
-            <a:schemeClr val="tx1"/>
+            <a:schemeClr val="lt1"/>
           </a:fontRef>
         </p:style>
-      </p:cxnSp>
-      <p:sp>
-        <p:nvSpPr>
-          <p:cNvPr id="26" name="TextBox 25"/>
-          <p:cNvSpPr txBox="1"/>
+        <p:txBody>
+          <a:bodyPr rtlCol="0" anchor="ctr"/>
+          <a:lstStyle/>
+          <a:p>
+            <a:pPr algn="ctr"/>
+            <a:endParaRPr lang="en-US"/>
+          </a:p>
+        </p:txBody>
+      </p:sp>
+      <p:sp>
+        <p:nvSpPr>
+          <p:cNvPr id="13" name="Rectangle 12"/>
+          <p:cNvSpPr/>
           <p:nvPr/>
         </p:nvSpPr>
         <p:spPr>
           <a:xfrm>
-            <a:off x="3126623" y="1576031"/>
-            <a:ext cx="1061951" cy="215444"/>
+            <a:off x="4139276" y="4639365"/>
+            <a:ext cx="635924" cy="290083"/>
           </a:xfrm>
           <a:prstGeom prst="rect">
             <a:avLst/>
           </a:prstGeom>
           <a:noFill/>
-        </p:spPr>
-        <p:txBody>
-          <a:bodyPr wrap="square" rtlCol="0">
-            <a:spAutoFit/>
-          </a:bodyPr>
-          <a:lstStyle/>
-          <a:p>
-            <a:r>
-              <a:rPr lang="en-US" sz="800" dirty="0">
+          <a:ln>
+            <a:solidFill>
+              <a:srgbClr val="FF0000"/>
+            </a:solidFill>
+          </a:ln>
+        </p:spPr>
+        <p:style>
+          <a:lnRef idx="2">
+            <a:schemeClr val="accent1">
+              <a:shade val="50000"/>
+            </a:schemeClr>
+          </a:lnRef>
+          <a:fillRef idx="1">
+            <a:schemeClr val="accent1"/>
+          </a:fillRef>
+          <a:effectRef idx="0">
+            <a:schemeClr val="accent1"/>
+          </a:effectRef>
+          <a:fontRef idx="minor">
+            <a:schemeClr val="lt1"/>
+          </a:fontRef>
+        </p:style>
+        <p:txBody>
+          <a:bodyPr rtlCol="0" anchor="ctr"/>
+          <a:lstStyle/>
+          <a:p>
+            <a:pPr algn="ctr"/>
+            <a:r>
+              <a:rPr lang="en-US" altLang="zh-CN" sz="700" dirty="0">
                 <a:solidFill>
-                  <a:srgbClr val="92D050"/>
+                  <a:srgbClr val="FF0000"/>
                 </a:solidFill>
               </a:rPr>
-              <a:t>Any compound index</a:t>
-            </a:r>
-          </a:p>
-        </p:txBody>
-      </p:sp>
-      <p:sp>
-        <p:nvSpPr>
-          <p:cNvPr id="28" name="TextBox 27"/>
-          <p:cNvSpPr txBox="1"/>
+              <a:t>Compound label</a:t>
+            </a:r>
+            <a:endParaRPr lang="en-US" sz="700" dirty="0">
+              <a:solidFill>
+                <a:srgbClr val="FF0000"/>
+              </a:solidFill>
+            </a:endParaRPr>
+          </a:p>
+        </p:txBody>
+      </p:sp>
+      <p:sp>
+        <p:nvSpPr>
+          <p:cNvPr id="21" name="Rectangle 20"/>
+          <p:cNvSpPr/>
           <p:nvPr/>
         </p:nvSpPr>
         <p:spPr>
           <a:xfrm>
-            <a:off x="8857949" y="2103202"/>
-            <a:ext cx="976745" cy="215444"/>
+            <a:off x="8757755" y="3041651"/>
+            <a:ext cx="709399" cy="134936"/>
           </a:xfrm>
           <a:prstGeom prst="rect">
             <a:avLst/>
           </a:prstGeom>
           <a:noFill/>
-        </p:spPr>
-        <p:txBody>
-          <a:bodyPr wrap="square" rtlCol="0">
-            <a:spAutoFit/>
-          </a:bodyPr>
-          <a:lstStyle/>
-          <a:p>
-            <a:r>
-              <a:rPr lang="en-US" sz="800" dirty="0">
+          <a:ln>
+            <a:solidFill>
+              <a:srgbClr val="FF0000"/>
+            </a:solidFill>
+          </a:ln>
+        </p:spPr>
+        <p:style>
+          <a:lnRef idx="2">
+            <a:schemeClr val="accent1">
+              <a:shade val="50000"/>
+            </a:schemeClr>
+          </a:lnRef>
+          <a:fillRef idx="1">
+            <a:schemeClr val="accent1"/>
+          </a:fillRef>
+          <a:effectRef idx="0">
+            <a:schemeClr val="accent1"/>
+          </a:effectRef>
+          <a:fontRef idx="minor">
+            <a:schemeClr val="lt1"/>
+          </a:fontRef>
+        </p:style>
+        <p:txBody>
+          <a:bodyPr rtlCol="0" anchor="ctr"/>
+          <a:lstStyle/>
+          <a:p>
+            <a:pPr algn="ctr"/>
+            <a:r>
+              <a:rPr lang="en-US" altLang="zh-CN" sz="700" dirty="0">
                 <a:solidFill>
-                  <a:srgbClr val="92D050"/>
+                  <a:srgbClr val="FF0000"/>
                 </a:solidFill>
               </a:rPr>
-              <a:t>Any sample index</a:t>
-            </a:r>
-          </a:p>
-        </p:txBody>
-      </p:sp>
-      <p:pic>
-        <p:nvPicPr>
-          <p:cNvPr id="6" name="Picture 5"/>
-          <p:cNvPicPr>
-            <a:picLocks noChangeAspect="1"/>
-          </p:cNvPicPr>
+              <a:t>Sample label</a:t>
+            </a:r>
+            <a:endParaRPr lang="en-US" sz="700" dirty="0">
+              <a:solidFill>
+                <a:srgbClr val="FF0000"/>
+              </a:solidFill>
+            </a:endParaRPr>
+          </a:p>
+        </p:txBody>
+      </p:sp>
+      <p:sp>
+        <p:nvSpPr>
+          <p:cNvPr id="14" name="Rectangle 13"/>
+          <p:cNvSpPr/>
           <p:nvPr/>
-        </p:nvPicPr>
-        <p:blipFill>
-          <a:blip r:embed="rId4">
-            <a:extLst>
-              <a:ext uri="{28A0092B-C50C-407E-A947-70E740481C1C}">
-                <a14:useLocalDpi xmlns:a14="http://schemas.microsoft.com/office/drawing/2010/main" val="0"/>
-              </a:ext>
-            </a:extLst>
-          </a:blip>
-          <a:stretch>
-            <a:fillRect/>
-          </a:stretch>
-        </p:blipFill>
-        <p:spPr>
-          <a:xfrm>
-            <a:off x="3377221" y="2150489"/>
-            <a:ext cx="5203665" cy="2677361"/>
+        </p:nvSpPr>
+        <p:spPr>
+          <a:xfrm>
+            <a:off x="3132796" y="3041650"/>
+            <a:ext cx="1070904" cy="1597715"/>
           </a:xfrm>
           <a:prstGeom prst="rect">
             <a:avLst/>
           </a:prstGeom>
-        </p:spPr>
-      </p:pic>
+          <a:noFill/>
+          <a:ln w="19050">
+            <a:solidFill>
+              <a:srgbClr val="00B050"/>
+            </a:solidFill>
+          </a:ln>
+        </p:spPr>
+        <p:style>
+          <a:lnRef idx="2">
+            <a:schemeClr val="accent1">
+              <a:shade val="50000"/>
+            </a:schemeClr>
+          </a:lnRef>
+          <a:fillRef idx="1">
+            <a:schemeClr val="accent1"/>
+          </a:fillRef>
+          <a:effectRef idx="0">
+            <a:schemeClr val="accent1"/>
+          </a:effectRef>
+          <a:fontRef idx="minor">
+            <a:schemeClr val="lt1"/>
+          </a:fontRef>
+        </p:style>
+        <p:txBody>
+          <a:bodyPr rtlCol="0" anchor="ctr"/>
+          <a:lstStyle/>
+          <a:p>
+            <a:pPr algn="ctr"/>
+            <a:endParaRPr lang="en-US"/>
+          </a:p>
+        </p:txBody>
+      </p:sp>
+      <p:sp>
+        <p:nvSpPr>
+          <p:cNvPr id="23" name="Rectangle 22"/>
+          <p:cNvSpPr/>
+          <p:nvPr/>
+        </p:nvSpPr>
+        <p:spPr>
+          <a:xfrm>
+            <a:off x="3132796" y="4639365"/>
+            <a:ext cx="941616" cy="184213"/>
+          </a:xfrm>
+          <a:prstGeom prst="rect">
+            <a:avLst/>
+          </a:prstGeom>
+          <a:noFill/>
+          <a:ln>
+            <a:solidFill>
+              <a:srgbClr val="00B050"/>
+            </a:solidFill>
+          </a:ln>
+        </p:spPr>
+        <p:style>
+          <a:lnRef idx="2">
+            <a:schemeClr val="accent1">
+              <a:shade val="50000"/>
+            </a:schemeClr>
+          </a:lnRef>
+          <a:fillRef idx="1">
+            <a:schemeClr val="accent1"/>
+          </a:fillRef>
+          <a:effectRef idx="0">
+            <a:schemeClr val="accent1"/>
+          </a:effectRef>
+          <a:fontRef idx="minor">
+            <a:schemeClr val="lt1"/>
+          </a:fontRef>
+        </p:style>
+        <p:txBody>
+          <a:bodyPr rtlCol="0" anchor="ctr"/>
+          <a:lstStyle/>
+          <a:p>
+            <a:pPr algn="ctr"/>
+            <a:r>
+              <a:rPr lang="en-US" altLang="zh-CN" sz="700" dirty="0">
+                <a:solidFill>
+                  <a:srgbClr val="00B050"/>
+                </a:solidFill>
+              </a:rPr>
+              <a:t>Feature meta-info</a:t>
+            </a:r>
+            <a:endParaRPr lang="en-US" sz="700" dirty="0">
+              <a:solidFill>
+                <a:srgbClr val="00B050"/>
+              </a:solidFill>
+            </a:endParaRPr>
+          </a:p>
+        </p:txBody>
+      </p:sp>
+      <p:sp>
+        <p:nvSpPr>
+          <p:cNvPr id="25" name="Rectangle 24"/>
+          <p:cNvSpPr/>
+          <p:nvPr/>
+        </p:nvSpPr>
+        <p:spPr>
+          <a:xfrm>
+            <a:off x="4220462" y="2247141"/>
+            <a:ext cx="4537294" cy="767522"/>
+          </a:xfrm>
+          <a:prstGeom prst="rect">
+            <a:avLst/>
+          </a:prstGeom>
+          <a:noFill/>
+          <a:ln w="19050">
+            <a:solidFill>
+              <a:srgbClr val="0070C0"/>
+            </a:solidFill>
+          </a:ln>
+        </p:spPr>
+        <p:style>
+          <a:lnRef idx="2">
+            <a:schemeClr val="accent1">
+              <a:shade val="50000"/>
+            </a:schemeClr>
+          </a:lnRef>
+          <a:fillRef idx="1">
+            <a:schemeClr val="accent1"/>
+          </a:fillRef>
+          <a:effectRef idx="0">
+            <a:schemeClr val="accent1"/>
+          </a:effectRef>
+          <a:fontRef idx="minor">
+            <a:schemeClr val="lt1"/>
+          </a:fontRef>
+        </p:style>
+        <p:txBody>
+          <a:bodyPr rtlCol="0" anchor="ctr"/>
+          <a:lstStyle/>
+          <a:p>
+            <a:pPr algn="ctr"/>
+            <a:endParaRPr lang="en-US"/>
+          </a:p>
+        </p:txBody>
+      </p:sp>
+      <p:sp>
+        <p:nvSpPr>
+          <p:cNvPr id="27" name="Rectangle 26"/>
+          <p:cNvSpPr/>
+          <p:nvPr/>
+        </p:nvSpPr>
+        <p:spPr>
+          <a:xfrm>
+            <a:off x="8755864" y="2247141"/>
+            <a:ext cx="635786" cy="767522"/>
+          </a:xfrm>
+          <a:prstGeom prst="rect">
+            <a:avLst/>
+          </a:prstGeom>
+          <a:noFill/>
+          <a:ln w="19050">
+            <a:solidFill>
+              <a:srgbClr val="0070C0"/>
+            </a:solidFill>
+          </a:ln>
+        </p:spPr>
+        <p:style>
+          <a:lnRef idx="2">
+            <a:schemeClr val="accent1">
+              <a:shade val="50000"/>
+            </a:schemeClr>
+          </a:lnRef>
+          <a:fillRef idx="1">
+            <a:schemeClr val="accent1"/>
+          </a:fillRef>
+          <a:effectRef idx="0">
+            <a:schemeClr val="accent1"/>
+          </a:effectRef>
+          <a:fontRef idx="minor">
+            <a:schemeClr val="lt1"/>
+          </a:fontRef>
+        </p:style>
+        <p:txBody>
+          <a:bodyPr rtlCol="0" anchor="ctr"/>
+          <a:lstStyle/>
+          <a:p>
+            <a:pPr algn="ctr"/>
+            <a:r>
+              <a:rPr lang="en-US" sz="1050" dirty="0">
+                <a:solidFill>
+                  <a:srgbClr val="0070C0"/>
+                </a:solidFill>
+              </a:rPr>
+              <a:t>Sample meta-info</a:t>
+            </a:r>
+            <a:endParaRPr lang="en-US" dirty="0">
+              <a:solidFill>
+                <a:srgbClr val="0070C0"/>
+              </a:solidFill>
+            </a:endParaRPr>
+          </a:p>
+        </p:txBody>
+      </p:sp>
+      <p:sp>
+        <p:nvSpPr>
+          <p:cNvPr id="29" name="Rectangle 28"/>
+          <p:cNvSpPr/>
+          <p:nvPr/>
+        </p:nvSpPr>
+        <p:spPr>
+          <a:xfrm>
+            <a:off x="3143451" y="2241423"/>
+            <a:ext cx="1038024" cy="773239"/>
+          </a:xfrm>
+          <a:prstGeom prst="rect">
+            <a:avLst/>
+          </a:prstGeom>
+          <a:noFill/>
+          <a:ln w="19050">
+            <a:solidFill>
+              <a:srgbClr val="FFFF00"/>
+            </a:solidFill>
+          </a:ln>
+        </p:spPr>
+        <p:style>
+          <a:lnRef idx="2">
+            <a:schemeClr val="accent1">
+              <a:shade val="50000"/>
+            </a:schemeClr>
+          </a:lnRef>
+          <a:fillRef idx="1">
+            <a:schemeClr val="accent1"/>
+          </a:fillRef>
+          <a:effectRef idx="0">
+            <a:schemeClr val="accent1"/>
+          </a:effectRef>
+          <a:fontRef idx="minor">
+            <a:schemeClr val="lt1"/>
+          </a:fontRef>
+        </p:style>
+        <p:txBody>
+          <a:bodyPr rtlCol="0" anchor="ctr"/>
+          <a:lstStyle/>
+          <a:p>
+            <a:pPr algn="ctr"/>
+            <a:r>
+              <a:rPr lang="en-US" dirty="0"/>
+              <a:t>empty</a:t>
+            </a:r>
+          </a:p>
+        </p:txBody>
+      </p:sp>
     </p:spTree>
     <p:extLst>
       <p:ext uri="{BB962C8B-B14F-4D97-AF65-F5344CB8AC3E}">

--- a/WCMC.Stat.HeatMap/inst/www/temp.pptx
+++ b/WCMC.Stat.HeatMap/inst/www/temp.pptx
@@ -6,7 +6,8 @@
   </p:sldMasterIdLst>
   <p:sldIdLst>
     <p:sldId id="257" r:id="rId2"/>
-    <p:sldId id="258" r:id="rId3"/>
+    <p:sldId id="259" r:id="rId3"/>
+    <p:sldId id="258" r:id="rId4"/>
   </p:sldIdLst>
   <p:sldSz cx="12192000" cy="6858000"/>
   <p:notesSz cx="6858000" cy="9144000"/>
@@ -242,7 +243,7 @@
           <a:p>
             <a:fld id="{1CB658BD-DBEE-41B2-A6B8-BB896E4B8E7A}" type="datetimeFigureOut">
               <a:rPr lang="en-US" smtClean="0"/>
-              <a:t>3/6/2017</a:t>
+              <a:t>3/15/2017</a:t>
             </a:fld>
             <a:endParaRPr lang="en-US"/>
           </a:p>
@@ -410,7 +411,7 @@
           <a:p>
             <a:fld id="{1CB658BD-DBEE-41B2-A6B8-BB896E4B8E7A}" type="datetimeFigureOut">
               <a:rPr lang="en-US" smtClean="0"/>
-              <a:t>3/6/2017</a:t>
+              <a:t>3/15/2017</a:t>
             </a:fld>
             <a:endParaRPr lang="en-US"/>
           </a:p>
@@ -588,7 +589,7 @@
           <a:p>
             <a:fld id="{1CB658BD-DBEE-41B2-A6B8-BB896E4B8E7A}" type="datetimeFigureOut">
               <a:rPr lang="en-US" smtClean="0"/>
-              <a:t>3/6/2017</a:t>
+              <a:t>3/15/2017</a:t>
             </a:fld>
             <a:endParaRPr lang="en-US"/>
           </a:p>
@@ -756,7 +757,7 @@
           <a:p>
             <a:fld id="{1CB658BD-DBEE-41B2-A6B8-BB896E4B8E7A}" type="datetimeFigureOut">
               <a:rPr lang="en-US" smtClean="0"/>
-              <a:t>3/6/2017</a:t>
+              <a:t>3/15/2017</a:t>
             </a:fld>
             <a:endParaRPr lang="en-US"/>
           </a:p>
@@ -1001,7 +1002,7 @@
           <a:p>
             <a:fld id="{1CB658BD-DBEE-41B2-A6B8-BB896E4B8E7A}" type="datetimeFigureOut">
               <a:rPr lang="en-US" smtClean="0"/>
-              <a:t>3/6/2017</a:t>
+              <a:t>3/15/2017</a:t>
             </a:fld>
             <a:endParaRPr lang="en-US"/>
           </a:p>
@@ -1230,7 +1231,7 @@
           <a:p>
             <a:fld id="{1CB658BD-DBEE-41B2-A6B8-BB896E4B8E7A}" type="datetimeFigureOut">
               <a:rPr lang="en-US" smtClean="0"/>
-              <a:t>3/6/2017</a:t>
+              <a:t>3/15/2017</a:t>
             </a:fld>
             <a:endParaRPr lang="en-US"/>
           </a:p>
@@ -1594,7 +1595,7 @@
           <a:p>
             <a:fld id="{1CB658BD-DBEE-41B2-A6B8-BB896E4B8E7A}" type="datetimeFigureOut">
               <a:rPr lang="en-US" smtClean="0"/>
-              <a:t>3/6/2017</a:t>
+              <a:t>3/15/2017</a:t>
             </a:fld>
             <a:endParaRPr lang="en-US"/>
           </a:p>
@@ -1711,7 +1712,7 @@
           <a:p>
             <a:fld id="{1CB658BD-DBEE-41B2-A6B8-BB896E4B8E7A}" type="datetimeFigureOut">
               <a:rPr lang="en-US" smtClean="0"/>
-              <a:t>3/6/2017</a:t>
+              <a:t>3/15/2017</a:t>
             </a:fld>
             <a:endParaRPr lang="en-US"/>
           </a:p>
@@ -1806,7 +1807,7 @@
           <a:p>
             <a:fld id="{1CB658BD-DBEE-41B2-A6B8-BB896E4B8E7A}" type="datetimeFigureOut">
               <a:rPr lang="en-US" smtClean="0"/>
-              <a:t>3/6/2017</a:t>
+              <a:t>3/15/2017</a:t>
             </a:fld>
             <a:endParaRPr lang="en-US"/>
           </a:p>
@@ -2081,7 +2082,7 @@
           <a:p>
             <a:fld id="{1CB658BD-DBEE-41B2-A6B8-BB896E4B8E7A}" type="datetimeFigureOut">
               <a:rPr lang="en-US" smtClean="0"/>
-              <a:t>3/6/2017</a:t>
+              <a:t>3/15/2017</a:t>
             </a:fld>
             <a:endParaRPr lang="en-US"/>
           </a:p>
@@ -2333,7 +2334,7 @@
           <a:p>
             <a:fld id="{1CB658BD-DBEE-41B2-A6B8-BB896E4B8E7A}" type="datetimeFigureOut">
               <a:rPr lang="en-US" smtClean="0"/>
-              <a:t>3/6/2017</a:t>
+              <a:t>3/15/2017</a:t>
             </a:fld>
             <a:endParaRPr lang="en-US"/>
           </a:p>
@@ -2544,7 +2545,7 @@
           <a:p>
             <a:fld id="{1CB658BD-DBEE-41B2-A6B8-BB896E4B8E7A}" type="datetimeFigureOut">
               <a:rPr lang="en-US" smtClean="0"/>
-              <a:t>3/6/2017</a:t>
+              <a:t>3/15/2017</a:t>
             </a:fld>
             <a:endParaRPr lang="en-US"/>
           </a:p>
@@ -3795,6 +3796,307 @@
       </p:grpSpPr>
       <p:pic>
         <p:nvPicPr>
+          <p:cNvPr id="2" name="Picture 1"/>
+          <p:cNvPicPr>
+            <a:picLocks noChangeAspect="1"/>
+          </p:cNvPicPr>
+          <p:nvPr/>
+        </p:nvPicPr>
+        <p:blipFill>
+          <a:blip r:embed="rId2"/>
+          <a:stretch>
+            <a:fillRect/>
+          </a:stretch>
+        </p:blipFill>
+        <p:spPr>
+          <a:xfrm>
+            <a:off x="74644" y="2108718"/>
+            <a:ext cx="5508411" cy="3312367"/>
+          </a:xfrm>
+          <a:prstGeom prst="rect">
+            <a:avLst/>
+          </a:prstGeom>
+        </p:spPr>
+      </p:pic>
+      <p:sp>
+        <p:nvSpPr>
+          <p:cNvPr id="3" name="Multiplication Sign 2"/>
+          <p:cNvSpPr/>
+          <p:nvPr/>
+        </p:nvSpPr>
+        <p:spPr>
+          <a:xfrm>
+            <a:off x="4512665" y="4490561"/>
+            <a:ext cx="1194318" cy="1129004"/>
+          </a:xfrm>
+          <a:prstGeom prst="mathMultiply">
+            <a:avLst>
+              <a:gd name="adj1" fmla="val 10152"/>
+            </a:avLst>
+          </a:prstGeom>
+          <a:solidFill>
+            <a:srgbClr val="FF0000"/>
+          </a:solidFill>
+          <a:ln>
+            <a:solidFill>
+              <a:srgbClr val="FF0000"/>
+            </a:solidFill>
+          </a:ln>
+        </p:spPr>
+        <p:style>
+          <a:lnRef idx="2">
+            <a:schemeClr val="accent1">
+              <a:shade val="50000"/>
+            </a:schemeClr>
+          </a:lnRef>
+          <a:fillRef idx="1">
+            <a:schemeClr val="accent1"/>
+          </a:fillRef>
+          <a:effectRef idx="0">
+            <a:schemeClr val="accent1"/>
+          </a:effectRef>
+          <a:fontRef idx="minor">
+            <a:schemeClr val="lt1"/>
+          </a:fontRef>
+        </p:style>
+        <p:txBody>
+          <a:bodyPr rtlCol="0" anchor="ctr"/>
+          <a:lstStyle/>
+          <a:p>
+            <a:pPr algn="ctr"/>
+            <a:endParaRPr lang="en-US"/>
+          </a:p>
+        </p:txBody>
+      </p:sp>
+      <p:sp>
+        <p:nvSpPr>
+          <p:cNvPr id="4" name="Right Arrow 3"/>
+          <p:cNvSpPr/>
+          <p:nvPr/>
+        </p:nvSpPr>
+        <p:spPr>
+          <a:xfrm>
+            <a:off x="5706983" y="3226652"/>
+            <a:ext cx="473826" cy="1076498"/>
+          </a:xfrm>
+          <a:prstGeom prst="rightArrow">
+            <a:avLst/>
+          </a:prstGeom>
+          <a:noFill/>
+          <a:ln>
+            <a:solidFill>
+              <a:srgbClr val="92D050"/>
+            </a:solidFill>
+          </a:ln>
+        </p:spPr>
+        <p:style>
+          <a:lnRef idx="2">
+            <a:schemeClr val="accent1">
+              <a:shade val="50000"/>
+            </a:schemeClr>
+          </a:lnRef>
+          <a:fillRef idx="1">
+            <a:schemeClr val="accent1"/>
+          </a:fillRef>
+          <a:effectRef idx="0">
+            <a:schemeClr val="accent1"/>
+          </a:effectRef>
+          <a:fontRef idx="minor">
+            <a:schemeClr val="lt1"/>
+          </a:fontRef>
+        </p:style>
+        <p:txBody>
+          <a:bodyPr rtlCol="0" anchor="ctr"/>
+          <a:lstStyle/>
+          <a:p>
+            <a:pPr algn="ctr"/>
+            <a:endParaRPr lang="en-US" dirty="0"/>
+          </a:p>
+        </p:txBody>
+      </p:sp>
+      <p:pic>
+        <p:nvPicPr>
+          <p:cNvPr id="5" name="Picture 4"/>
+          <p:cNvPicPr>
+            <a:picLocks noChangeAspect="1"/>
+          </p:cNvPicPr>
+          <p:nvPr/>
+        </p:nvPicPr>
+        <p:blipFill>
+          <a:blip r:embed="rId3"/>
+          <a:stretch>
+            <a:fillRect/>
+          </a:stretch>
+        </p:blipFill>
+        <p:spPr>
+          <a:xfrm>
+            <a:off x="6304737" y="2108718"/>
+            <a:ext cx="5822012" cy="3379767"/>
+          </a:xfrm>
+          <a:prstGeom prst="rect">
+            <a:avLst/>
+          </a:prstGeom>
+        </p:spPr>
+      </p:pic>
+      <p:sp>
+        <p:nvSpPr>
+          <p:cNvPr id="6" name="L-Shape 5"/>
+          <p:cNvSpPr/>
+          <p:nvPr/>
+        </p:nvSpPr>
+        <p:spPr>
+          <a:xfrm rot="18243821">
+            <a:off x="11247724" y="4721677"/>
+            <a:ext cx="842422" cy="535695"/>
+          </a:xfrm>
+          <a:prstGeom prst="corner">
+            <a:avLst>
+              <a:gd name="adj1" fmla="val 20517"/>
+              <a:gd name="adj2" fmla="val 20517"/>
+            </a:avLst>
+          </a:prstGeom>
+          <a:solidFill>
+            <a:srgbClr val="00B050"/>
+          </a:solidFill>
+          <a:ln>
+            <a:solidFill>
+              <a:srgbClr val="00B050"/>
+            </a:solidFill>
+          </a:ln>
+        </p:spPr>
+        <p:style>
+          <a:lnRef idx="2">
+            <a:schemeClr val="accent1">
+              <a:shade val="50000"/>
+            </a:schemeClr>
+          </a:lnRef>
+          <a:fillRef idx="1">
+            <a:schemeClr val="accent1"/>
+          </a:fillRef>
+          <a:effectRef idx="0">
+            <a:schemeClr val="accent1"/>
+          </a:effectRef>
+          <a:fontRef idx="minor">
+            <a:schemeClr val="lt1"/>
+          </a:fontRef>
+        </p:style>
+        <p:txBody>
+          <a:bodyPr rtlCol="0" anchor="ctr"/>
+          <a:lstStyle/>
+          <a:p>
+            <a:pPr algn="ctr"/>
+            <a:endParaRPr lang="en-US" dirty="0"/>
+          </a:p>
+        </p:txBody>
+      </p:sp>
+      <p:sp>
+        <p:nvSpPr>
+          <p:cNvPr id="7" name="Rectangle 6"/>
+          <p:cNvSpPr/>
+          <p:nvPr/>
+        </p:nvSpPr>
+        <p:spPr>
+          <a:xfrm>
+            <a:off x="6254750" y="2108715"/>
+            <a:ext cx="257173" cy="3379769"/>
+          </a:xfrm>
+          <a:prstGeom prst="rect">
+            <a:avLst/>
+          </a:prstGeom>
+          <a:noFill/>
+          <a:ln w="19050">
+            <a:solidFill>
+              <a:schemeClr val="tx1"/>
+            </a:solidFill>
+          </a:ln>
+        </p:spPr>
+        <p:style>
+          <a:lnRef idx="2">
+            <a:schemeClr val="accent1">
+              <a:shade val="50000"/>
+            </a:schemeClr>
+          </a:lnRef>
+          <a:fillRef idx="1">
+            <a:schemeClr val="accent1"/>
+          </a:fillRef>
+          <a:effectRef idx="0">
+            <a:schemeClr val="accent1"/>
+          </a:effectRef>
+          <a:fontRef idx="minor">
+            <a:schemeClr val="lt1"/>
+          </a:fontRef>
+        </p:style>
+        <p:txBody>
+          <a:bodyPr rtlCol="0" anchor="ctr"/>
+          <a:lstStyle/>
+          <a:p>
+            <a:pPr algn="ctr"/>
+            <a:endParaRPr lang="en-US"/>
+          </a:p>
+        </p:txBody>
+      </p:sp>
+      <p:sp>
+        <p:nvSpPr>
+          <p:cNvPr id="9" name="TextBox 8"/>
+          <p:cNvSpPr txBox="1"/>
+          <p:nvPr/>
+        </p:nvSpPr>
+        <p:spPr>
+          <a:xfrm>
+            <a:off x="6109453" y="1822450"/>
+            <a:ext cx="804940" cy="369332"/>
+          </a:xfrm>
+          <a:prstGeom prst="rect">
+            <a:avLst/>
+          </a:prstGeom>
+          <a:noFill/>
+        </p:spPr>
+        <p:txBody>
+          <a:bodyPr wrap="square" rtlCol="0">
+            <a:spAutoFit/>
+          </a:bodyPr>
+          <a:lstStyle/>
+          <a:p>
+            <a:r>
+              <a:rPr lang="en-US" altLang="zh-CN" dirty="0"/>
+              <a:t>add</a:t>
+            </a:r>
+            <a:endParaRPr lang="en-US" dirty="0"/>
+          </a:p>
+        </p:txBody>
+      </p:sp>
+    </p:spTree>
+    <p:extLst>
+      <p:ext uri="{BB962C8B-B14F-4D97-AF65-F5344CB8AC3E}">
+        <p14:creationId xmlns:p14="http://schemas.microsoft.com/office/powerpoint/2010/main" val="822273885"/>
+      </p:ext>
+    </p:extLst>
+  </p:cSld>
+  <p:clrMapOvr>
+    <a:masterClrMapping/>
+  </p:clrMapOvr>
+</p:sld>
+</file>
+
+<file path=ppt/slides/slide3.xml><?xml version="1.0" encoding="utf-8"?>
+<p:sld xmlns:a="http://schemas.openxmlformats.org/drawingml/2006/main" xmlns:r="http://schemas.openxmlformats.org/officeDocument/2006/relationships" xmlns:p="http://schemas.openxmlformats.org/presentationml/2006/main">
+  <p:cSld>
+    <p:spTree>
+      <p:nvGrpSpPr>
+        <p:cNvPr id="1" name=""/>
+        <p:cNvGrpSpPr/>
+        <p:nvPr/>
+      </p:nvGrpSpPr>
+      <p:grpSpPr>
+        <a:xfrm>
+          <a:off x="0" y="0"/>
+          <a:ext cx="0" cy="0"/>
+          <a:chOff x="0" y="0"/>
+          <a:chExt cx="0" cy="0"/>
+        </a:xfrm>
+      </p:grpSpPr>
+      <p:pic>
+        <p:nvPicPr>
           <p:cNvPr id="13" name="Picture 12"/>
           <p:cNvPicPr>
             <a:picLocks noChangeAspect="1"/>
